--- a/Lecture Notes/lecture3-abridged.pptx
+++ b/Lecture Notes/lecture3-abridged.pptx
@@ -169,6 +169,36 @@
       </a:defRPr>
     </a:lvl9pPr>
   </p:defaultTextStyle>
+  <p:extLst>
+    <p:ext uri="{EFAFB233-063F-42B5-8137-9DF3F51BA10A}">
+      <p15:sldGuideLst xmlns:p15="http://schemas.microsoft.com/office/powerpoint/2012/main">
+        <p15:guide id="1" orient="horz" pos="2160">
+          <p15:clr>
+            <a:srgbClr val="A4A3A4"/>
+          </p15:clr>
+        </p15:guide>
+        <p15:guide id="2" pos="2880">
+          <p15:clr>
+            <a:srgbClr val="A4A3A4"/>
+          </p15:clr>
+        </p15:guide>
+      </p15:sldGuideLst>
+    </p:ext>
+    <p:ext uri="{2D200454-40CA-4A62-9FC3-DE9A4176ACB9}">
+      <p15:notesGuideLst xmlns:p15="http://schemas.microsoft.com/office/powerpoint/2012/main">
+        <p15:guide id="1" orient="horz" pos="3023">
+          <p15:clr>
+            <a:srgbClr val="A4A3A4"/>
+          </p15:clr>
+        </p15:guide>
+        <p15:guide id="2" pos="2304">
+          <p15:clr>
+            <a:srgbClr val="A4A3A4"/>
+          </p15:clr>
+        </p15:guide>
+      </p15:notesGuideLst>
+    </p:ext>
+  </p:extLst>
 </p:presentation>
 </file>
 
@@ -1070,11 +1100,7 @@
           <a:p>
             <a:r>
               <a:rPr lang="en-US" dirty="0" smtClean="0"/>
-              <a:t>TODO (future terms): fix </a:t>
-            </a:r>
-            <a:r>
-              <a:rPr lang="en-US" dirty="0" smtClean="0"/>
-              <a:t>year/term</a:t>
+              <a:t>TODO (future terms): fix year/term</a:t>
             </a:r>
           </a:p>
           <a:p>
@@ -1082,11 +1108,15 @@
               <a:rPr lang="en-US" dirty="0" smtClean="0"/>
               <a:t>TODO (Future terms): consider using full slides</a:t>
             </a:r>
-            <a:endParaRPr lang="en-US" dirty="0" smtClean="0"/>
           </a:p>
         </p:txBody>
       </p:sp>
     </p:spTree>
+    <p:extLst>
+      <p:ext uri="{BB962C8B-B14F-4D97-AF65-F5344CB8AC3E}">
+        <p14:creationId xmlns:p14="http://schemas.microsoft.com/office/powerpoint/2010/main" val="554497721"/>
+      </p:ext>
+    </p:extLst>
   </p:cSld>
   <p:clrMapOvr>
     <a:masterClrMapping/>
@@ -1352,6 +1382,11 @@
         </p:txBody>
       </p:sp>
     </p:spTree>
+    <p:extLst>
+      <p:ext uri="{BB962C8B-B14F-4D97-AF65-F5344CB8AC3E}">
+        <p14:creationId xmlns:p14="http://schemas.microsoft.com/office/powerpoint/2010/main" val="911539407"/>
+      </p:ext>
+    </p:extLst>
   </p:cSld>
   <p:clrMapOvr>
     <a:masterClrMapping/>
@@ -1590,6 +1625,11 @@
         </p:txBody>
       </p:sp>
     </p:spTree>
+    <p:extLst>
+      <p:ext uri="{BB962C8B-B14F-4D97-AF65-F5344CB8AC3E}">
+        <p14:creationId xmlns:p14="http://schemas.microsoft.com/office/powerpoint/2010/main" val="432373642"/>
+      </p:ext>
+    </p:extLst>
   </p:cSld>
   <p:clrMapOvr>
     <a:masterClrMapping/>
@@ -1825,6 +1865,11 @@
         </p:txBody>
       </p:sp>
     </p:spTree>
+    <p:extLst>
+      <p:ext uri="{BB962C8B-B14F-4D97-AF65-F5344CB8AC3E}">
+        <p14:creationId xmlns:p14="http://schemas.microsoft.com/office/powerpoint/2010/main" val="1728134099"/>
+      </p:ext>
+    </p:extLst>
   </p:cSld>
   <p:clrMapOvr>
     <a:masterClrMapping/>
@@ -2048,6 +2093,11 @@
         </p:txBody>
       </p:sp>
     </p:spTree>
+    <p:extLst>
+      <p:ext uri="{BB962C8B-B14F-4D97-AF65-F5344CB8AC3E}">
+        <p14:creationId xmlns:p14="http://schemas.microsoft.com/office/powerpoint/2010/main" val="3745849698"/>
+      </p:ext>
+    </p:extLst>
   </p:cSld>
   <p:clrMapOvr>
     <a:masterClrMapping/>
@@ -2277,6 +2327,11 @@
         </p:txBody>
       </p:sp>
     </p:spTree>
+    <p:extLst>
+      <p:ext uri="{BB962C8B-B14F-4D97-AF65-F5344CB8AC3E}">
+        <p14:creationId xmlns:p14="http://schemas.microsoft.com/office/powerpoint/2010/main" val="3313730633"/>
+      </p:ext>
+    </p:extLst>
   </p:cSld>
   <p:clrMapOvr>
     <a:masterClrMapping/>
@@ -2500,6 +2555,11 @@
         </p:txBody>
       </p:sp>
     </p:spTree>
+    <p:extLst>
+      <p:ext uri="{BB962C8B-B14F-4D97-AF65-F5344CB8AC3E}">
+        <p14:creationId xmlns:p14="http://schemas.microsoft.com/office/powerpoint/2010/main" val="3080604890"/>
+      </p:ext>
+    </p:extLst>
   </p:cSld>
   <p:clrMapOvr>
     <a:masterClrMapping/>
@@ -2773,6 +2833,11 @@
         </p:txBody>
       </p:sp>
     </p:spTree>
+    <p:extLst>
+      <p:ext uri="{BB962C8B-B14F-4D97-AF65-F5344CB8AC3E}">
+        <p14:creationId xmlns:p14="http://schemas.microsoft.com/office/powerpoint/2010/main" val="632275002"/>
+      </p:ext>
+    </p:extLst>
   </p:cSld>
   <p:clrMapOvr>
     <a:masterClrMapping/>
@@ -2996,6 +3061,11 @@
         </p:txBody>
       </p:sp>
     </p:spTree>
+    <p:extLst>
+      <p:ext uri="{BB962C8B-B14F-4D97-AF65-F5344CB8AC3E}">
+        <p14:creationId xmlns:p14="http://schemas.microsoft.com/office/powerpoint/2010/main" val="2151731805"/>
+      </p:ext>
+    </p:extLst>
   </p:cSld>
   <p:clrMapOvr>
     <a:masterClrMapping/>
@@ -3272,6 +3342,11 @@
         </p:txBody>
       </p:sp>
     </p:spTree>
+    <p:extLst>
+      <p:ext uri="{BB962C8B-B14F-4D97-AF65-F5344CB8AC3E}">
+        <p14:creationId xmlns:p14="http://schemas.microsoft.com/office/powerpoint/2010/main" val="1843060912"/>
+      </p:ext>
+    </p:extLst>
   </p:cSld>
   <p:clrMapOvr>
     <a:masterClrMapping/>
@@ -3495,6 +3570,11 @@
         </p:txBody>
       </p:sp>
     </p:spTree>
+    <p:extLst>
+      <p:ext uri="{BB962C8B-B14F-4D97-AF65-F5344CB8AC3E}">
+        <p14:creationId xmlns:p14="http://schemas.microsoft.com/office/powerpoint/2010/main" val="2573744106"/>
+      </p:ext>
+    </p:extLst>
   </p:cSld>
   <p:clrMapOvr>
     <a:masterClrMapping/>
@@ -3718,6 +3798,11 @@
         </p:txBody>
       </p:sp>
     </p:spTree>
+    <p:extLst>
+      <p:ext uri="{BB962C8B-B14F-4D97-AF65-F5344CB8AC3E}">
+        <p14:creationId xmlns:p14="http://schemas.microsoft.com/office/powerpoint/2010/main" val="3717459486"/>
+      </p:ext>
+    </p:extLst>
   </p:cSld>
   <p:clrMapOvr>
     <a:masterClrMapping/>
@@ -3974,6 +4059,11 @@
         </p:txBody>
       </p:sp>
     </p:spTree>
+    <p:extLst>
+      <p:ext uri="{BB962C8B-B14F-4D97-AF65-F5344CB8AC3E}">
+        <p14:creationId xmlns:p14="http://schemas.microsoft.com/office/powerpoint/2010/main" val="1069087557"/>
+      </p:ext>
+    </p:extLst>
   </p:cSld>
   <p:clrMapOvr>
     <a:masterClrMapping/>
@@ -4306,6 +4396,11 @@
         </p:txBody>
       </p:sp>
     </p:spTree>
+    <p:extLst>
+      <p:ext uri="{BB962C8B-B14F-4D97-AF65-F5344CB8AC3E}">
+        <p14:creationId xmlns:p14="http://schemas.microsoft.com/office/powerpoint/2010/main" val="1204808796"/>
+      </p:ext>
+    </p:extLst>
   </p:cSld>
   <p:clrMapOvr>
     <a:masterClrMapping/>
@@ -4537,6 +4632,11 @@
         </p:txBody>
       </p:sp>
     </p:spTree>
+    <p:extLst>
+      <p:ext uri="{BB962C8B-B14F-4D97-AF65-F5344CB8AC3E}">
+        <p14:creationId xmlns:p14="http://schemas.microsoft.com/office/powerpoint/2010/main" val="1157080863"/>
+      </p:ext>
+    </p:extLst>
   </p:cSld>
   <p:clrMapOvr>
     <a:masterClrMapping/>
@@ -4767,6 +4867,11 @@
         </p:txBody>
       </p:sp>
     </p:spTree>
+    <p:extLst>
+      <p:ext uri="{BB962C8B-B14F-4D97-AF65-F5344CB8AC3E}">
+        <p14:creationId xmlns:p14="http://schemas.microsoft.com/office/powerpoint/2010/main" val="2041242235"/>
+      </p:ext>
+    </p:extLst>
   </p:cSld>
   <p:clrMapOvr>
     <a:masterClrMapping/>
@@ -5011,6 +5116,11 @@
         </p:txBody>
       </p:sp>
     </p:spTree>
+    <p:extLst>
+      <p:ext uri="{BB962C8B-B14F-4D97-AF65-F5344CB8AC3E}">
+        <p14:creationId xmlns:p14="http://schemas.microsoft.com/office/powerpoint/2010/main" val="126319657"/>
+      </p:ext>
+    </p:extLst>
   </p:cSld>
   <p:clrMapOvr>
     <a:masterClrMapping/>
@@ -5254,6 +5364,11 @@
         </p:txBody>
       </p:sp>
     </p:spTree>
+    <p:extLst>
+      <p:ext uri="{BB962C8B-B14F-4D97-AF65-F5344CB8AC3E}">
+        <p14:creationId xmlns:p14="http://schemas.microsoft.com/office/powerpoint/2010/main" val="1341355366"/>
+      </p:ext>
+    </p:extLst>
   </p:cSld>
   <p:clrMapOvr>
     <a:masterClrMapping/>
@@ -5480,6 +5595,11 @@
         </p:txBody>
       </p:sp>
     </p:spTree>
+    <p:extLst>
+      <p:ext uri="{BB962C8B-B14F-4D97-AF65-F5344CB8AC3E}">
+        <p14:creationId xmlns:p14="http://schemas.microsoft.com/office/powerpoint/2010/main" val="2290998919"/>
+      </p:ext>
+    </p:extLst>
   </p:cSld>
   <p:clrMapOvr>
     <a:masterClrMapping/>
@@ -5727,6 +5847,11 @@
         </p:txBody>
       </p:sp>
     </p:spTree>
+    <p:extLst>
+      <p:ext uri="{BB962C8B-B14F-4D97-AF65-F5344CB8AC3E}">
+        <p14:creationId xmlns:p14="http://schemas.microsoft.com/office/powerpoint/2010/main" val="3086472718"/>
+      </p:ext>
+    </p:extLst>
   </p:cSld>
   <p:clrMapOvr>
     <a:masterClrMapping/>
@@ -5950,6 +6075,11 @@
         </p:txBody>
       </p:sp>
     </p:spTree>
+    <p:extLst>
+      <p:ext uri="{BB962C8B-B14F-4D97-AF65-F5344CB8AC3E}">
+        <p14:creationId xmlns:p14="http://schemas.microsoft.com/office/powerpoint/2010/main" val="1520768411"/>
+      </p:ext>
+    </p:extLst>
   </p:cSld>
   <p:clrMapOvr>
     <a:masterClrMapping/>
@@ -6173,6 +6303,11 @@
         </p:txBody>
       </p:sp>
     </p:spTree>
+    <p:extLst>
+      <p:ext uri="{BB962C8B-B14F-4D97-AF65-F5344CB8AC3E}">
+        <p14:creationId xmlns:p14="http://schemas.microsoft.com/office/powerpoint/2010/main" val="900228301"/>
+      </p:ext>
+    </p:extLst>
   </p:cSld>
   <p:clrMapOvr>
     <a:masterClrMapping/>
@@ -6392,25 +6527,38 @@
           <a:lstStyle/>
           <a:p>
             <a:r>
-              <a:rPr lang="en-US" smtClean="0"/>
-              <a:t>Alright, there are two problems with binary search trees as pqs.</a:t>
-            </a:r>
-          </a:p>
-          <a:p>
-            <a:r>
-              <a:rPr lang="en-US" smtClean="0"/>
+              <a:rPr lang="en-US" dirty="0" smtClean="0"/>
+              <a:t>Alright, there are two problems with binary search trees as </a:t>
+            </a:r>
+            <a:r>
+              <a:rPr lang="en-US" dirty="0" err="1" smtClean="0"/>
+              <a:t>pqs</a:t>
+            </a:r>
+            <a:r>
+              <a:rPr lang="en-US" dirty="0" smtClean="0"/>
+              <a:t>.</a:t>
+            </a:r>
+          </a:p>
+          <a:p>
+            <a:r>
+              <a:rPr lang="en-US" dirty="0" smtClean="0"/>
               <a:t>First, they’re overkill. Why keep everything ordered? We just need to know the least at any given time.</a:t>
             </a:r>
           </a:p>
           <a:p>
             <a:r>
-              <a:rPr lang="en-US" smtClean="0"/>
+              <a:rPr lang="en-US" dirty="0" smtClean="0"/>
               <a:t>Second, they’re not guaranteed to be complete, so we have worst case O(n) times.</a:t>
             </a:r>
           </a:p>
         </p:txBody>
       </p:sp>
     </p:spTree>
+    <p:extLst>
+      <p:ext uri="{BB962C8B-B14F-4D97-AF65-F5344CB8AC3E}">
+        <p14:creationId xmlns:p14="http://schemas.microsoft.com/office/powerpoint/2010/main" val="1728773302"/>
+      </p:ext>
+    </p:extLst>
   </p:cSld>
   <p:clrMapOvr>
     <a:masterClrMapping/>
@@ -9862,7 +10010,6 @@
               <a:rPr lang="en-US" dirty="0" smtClean="0"/>
               <a:t>2014W1</a:t>
             </a:r>
-            <a:endParaRPr lang="en-US" dirty="0" smtClean="0"/>
           </a:p>
         </p:txBody>
       </p:sp>
@@ -10277,8 +10424,10 @@
                   </a:schemeClr>
                 </a:solidFill>
               </a:rPr>
-              <a:t>Priority </a:t>
-            </a:r>
+              <a:t>Priority Queue ADT</a:t>
+            </a:r>
+          </a:p>
+          <a:p>
             <a:r>
               <a:rPr lang="en-US" dirty="0" smtClean="0">
                 <a:solidFill>
@@ -10288,55 +10437,14 @@
                   </a:schemeClr>
                 </a:solidFill>
               </a:rPr>
-              <a:t>Queue </a:t>
-            </a:r>
-            <a:r>
-              <a:rPr lang="en-US" dirty="0" smtClean="0">
-                <a:solidFill>
-                  <a:schemeClr val="tx1">
-                    <a:lumMod val="50000"/>
-                    <a:lumOff val="50000"/>
-                  </a:schemeClr>
-                </a:solidFill>
-              </a:rPr>
-              <a:t>ADT</a:t>
-            </a:r>
-          </a:p>
-          <a:p>
-            <a:r>
-              <a:rPr lang="en-US" dirty="0" smtClean="0">
-                <a:solidFill>
-                  <a:schemeClr val="tx1">
-                    <a:lumMod val="50000"/>
-                    <a:lumOff val="50000"/>
-                  </a:schemeClr>
-                </a:solidFill>
-              </a:rPr>
               <a:t>Solutions So Far?</a:t>
             </a:r>
-            <a:endParaRPr lang="en-US" dirty="0" smtClean="0">
-              <a:solidFill>
-                <a:schemeClr val="tx1">
-                  <a:lumMod val="50000"/>
-                  <a:lumOff val="50000"/>
-                </a:schemeClr>
-              </a:solidFill>
-            </a:endParaRPr>
           </a:p>
           <a:p>
             <a:r>
               <a:rPr lang="en-US" dirty="0" smtClean="0"/>
-              <a:t>10km </a:t>
-            </a:r>
-            <a:r>
-              <a:rPr lang="en-US" dirty="0" smtClean="0"/>
-              <a:t>View of </a:t>
-            </a:r>
-            <a:r>
-              <a:rPr lang="en-US" dirty="0" smtClean="0"/>
-              <a:t>Heaps</a:t>
-            </a:r>
-            <a:endParaRPr lang="en-US" dirty="0" smtClean="0"/>
+              <a:t>10km View of Heaps</a:t>
+            </a:r>
           </a:p>
         </p:txBody>
       </p:sp>
@@ -18441,25 +18549,6 @@
       </p:sp>
       <p:sp>
         <p:nvSpPr>
-          <p:cNvPr id="2" name="Content Placeholder 1"/>
-          <p:cNvSpPr>
-            <a:spLocks noGrp="1"/>
-          </p:cNvSpPr>
-          <p:nvPr>
-            <p:ph idx="1"/>
-          </p:nvPr>
-        </p:nvSpPr>
-        <p:spPr/>
-        <p:txBody>
-          <a:bodyPr/>
-          <a:lstStyle/>
-          <a:p>
-            <a:endParaRPr lang="en-CA"/>
-          </a:p>
-        </p:txBody>
-      </p:sp>
-      <p:sp>
-        <p:nvSpPr>
           <p:cNvPr id="3" name="TextBox 2"/>
           <p:cNvSpPr txBox="1"/>
           <p:nvPr/>
@@ -30251,7 +30340,6 @@
               <a:rPr lang="en-US" dirty="0" smtClean="0"/>
               <a:t>Insert Result</a:t>
             </a:r>
-            <a:endParaRPr lang="en-US" dirty="0" smtClean="0"/>
           </a:p>
         </p:txBody>
       </p:sp>
@@ -44432,15 +44520,7 @@
           <a:p>
             <a:r>
               <a:rPr lang="en-US" dirty="0" smtClean="0"/>
-              <a:t>Function call </a:t>
-            </a:r>
-            <a:r>
-              <a:rPr lang="en-US" dirty="0" smtClean="0"/>
-              <a:t>tree (i.e</a:t>
-            </a:r>
-            <a:r>
-              <a:rPr lang="en-US" dirty="0" smtClean="0"/>
-              <a:t>., a record of everything that goes in the call stack)</a:t>
+              <a:t>Function call tree (i.e., a record of everything that goes in the call stack)</a:t>
             </a:r>
           </a:p>
         </p:txBody>
@@ -46996,15 +47076,7 @@
           <a:p>
             <a:r>
               <a:rPr lang="en-US" dirty="0" smtClean="0"/>
-              <a:t>Priority </a:t>
-            </a:r>
-            <a:r>
-              <a:rPr lang="en-US" dirty="0" smtClean="0"/>
-              <a:t>Queue </a:t>
-            </a:r>
-            <a:r>
-              <a:rPr lang="en-US" dirty="0" smtClean="0"/>
-              <a:t>ADT</a:t>
+              <a:t>Priority Queue ADT</a:t>
             </a:r>
           </a:p>
           <a:p>
@@ -47012,22 +47084,12 @@
               <a:rPr lang="en-US" dirty="0" smtClean="0"/>
               <a:t>Solutions So Far?</a:t>
             </a:r>
-            <a:endParaRPr lang="en-US" dirty="0" smtClean="0"/>
           </a:p>
           <a:p>
             <a:r>
               <a:rPr lang="en-US" dirty="0" smtClean="0"/>
-              <a:t>10km </a:t>
-            </a:r>
-            <a:r>
-              <a:rPr lang="en-US" dirty="0" smtClean="0"/>
-              <a:t>View of </a:t>
-            </a:r>
-            <a:r>
-              <a:rPr lang="en-US" dirty="0" smtClean="0"/>
-              <a:t>Heaps</a:t>
-            </a:r>
-            <a:endParaRPr lang="en-US" dirty="0" smtClean="0"/>
+              <a:t>10km View of Heaps</a:t>
+            </a:r>
           </a:p>
         </p:txBody>
       </p:sp>
@@ -48867,11 +48929,7 @@
           <a:p>
             <a:r>
               <a:rPr lang="en-US" sz="2400" dirty="0" smtClean="0"/>
-              <a:t>Simulate </a:t>
-            </a:r>
-            <a:r>
-              <a:rPr lang="en-US" sz="2400" dirty="0" smtClean="0"/>
-              <a:t>events </a:t>
+              <a:t>Simulate events </a:t>
             </a:r>
             <a:r>
               <a:rPr lang="en-US" sz="2000" dirty="0" smtClean="0"/>
@@ -48894,11 +48952,7 @@
           <a:p>
             <a:r>
               <a:rPr lang="en-US" sz="2400" dirty="0" smtClean="0"/>
-              <a:t>Select symbols for </a:t>
-            </a:r>
-            <a:r>
-              <a:rPr lang="en-US" sz="2400" dirty="0" smtClean="0"/>
-              <a:t>compression </a:t>
+              <a:t>Select symbols for compression </a:t>
             </a:r>
             <a:r>
               <a:rPr lang="en-US" sz="2000" dirty="0" smtClean="0"/>
@@ -48917,11 +48971,7 @@
             </a:r>
             <a:r>
               <a:rPr lang="en-US" sz="2400" dirty="0" smtClean="0"/>
-              <a:t>: an algorithm that makes the “locally best choice” at each </a:t>
-            </a:r>
-            <a:r>
-              <a:rPr lang="en-US" sz="2400" dirty="0" smtClean="0"/>
-              <a:t>step </a:t>
+              <a:t>: an algorithm that makes the “locally best choice” at each step </a:t>
             </a:r>
             <a:r>
               <a:rPr lang="en-US" sz="2000" dirty="0" smtClean="0"/>
@@ -50475,29 +50525,7 @@
                   </a:schemeClr>
                 </a:solidFill>
               </a:rPr>
-              <a:t>Priority </a:t>
-            </a:r>
-            <a:r>
-              <a:rPr lang="en-US" dirty="0" smtClean="0">
-                <a:solidFill>
-                  <a:schemeClr val="tx1">
-                    <a:lumMod val="50000"/>
-                    <a:lumOff val="50000"/>
-                  </a:schemeClr>
-                </a:solidFill>
-              </a:rPr>
-              <a:t>Queue </a:t>
-            </a:r>
-            <a:r>
-              <a:rPr lang="en-US" dirty="0" smtClean="0">
-                <a:solidFill>
-                  <a:schemeClr val="tx1">
-                    <a:lumMod val="50000"/>
-                    <a:lumOff val="50000"/>
-                  </a:schemeClr>
-                </a:solidFill>
-              </a:rPr>
-              <a:t>ADT</a:t>
+              <a:t>Priority Queue ADT</a:t>
             </a:r>
           </a:p>
           <a:p>
@@ -50505,22 +50533,12 @@
               <a:rPr lang="en-US" dirty="0" smtClean="0"/>
               <a:t>Solutions So Far?</a:t>
             </a:r>
-            <a:endParaRPr lang="en-US" dirty="0" smtClean="0"/>
           </a:p>
           <a:p>
             <a:r>
               <a:rPr lang="en-US" dirty="0" smtClean="0"/>
-              <a:t>10km </a:t>
-            </a:r>
-            <a:r>
-              <a:rPr lang="en-US" dirty="0" smtClean="0"/>
-              <a:t>View of </a:t>
-            </a:r>
-            <a:r>
-              <a:rPr lang="en-US" dirty="0" smtClean="0"/>
-              <a:t>Heaps</a:t>
-            </a:r>
-            <a:endParaRPr lang="en-US" dirty="0" smtClean="0"/>
+              <a:t>10km View of Heaps</a:t>
+            </a:r>
           </a:p>
         </p:txBody>
       </p:sp>
